--- a/doc/天巡网系统.pptx
+++ b/doc/天巡网系统.pptx
@@ -5,7 +5,7 @@
     <p:sldMasterId id="2147483684" r:id="rId1"/>
   </p:sldMasterIdLst>
   <p:notesMasterIdLst>
-    <p:notesMasterId r:id="rId22"/>
+    <p:notesMasterId r:id="rId24"/>
   </p:notesMasterIdLst>
   <p:sldIdLst>
     <p:sldId id="257" r:id="rId2"/>
@@ -28,6 +28,8 @@
     <p:sldId id="289" r:id="rId19"/>
     <p:sldId id="291" r:id="rId20"/>
     <p:sldId id="292" r:id="rId21"/>
+    <p:sldId id="298" r:id="rId22"/>
+    <p:sldId id="299" r:id="rId23"/>
   </p:sldIdLst>
   <p:sldSz cx="9144000" cy="6858000" type="screen4x3"/>
   <p:notesSz cx="6858000" cy="9144000"/>
@@ -212,7 +214,7 @@
             <a:fld id="{86FA686D-0F7A-4C4A-95B2-3F2FD40B3E1C}" type="datetimeFigureOut">
               <a:rPr lang="zh-CN" altLang="en-US" smtClean="0"/>
               <a:pPr/>
-              <a:t>2019/6/21 Friday</a:t>
+              <a:t>2019/6/22 Saturday</a:t>
             </a:fld>
             <a:endParaRPr lang="zh-CN" altLang="en-US"/>
           </a:p>
@@ -568,6 +570,170 @@
 </p:notes>
 </file>
 
+<file path=ppt/notesSlides/notesSlide2.xml><?xml version="1.0" encoding="utf-8"?>
+<p:notes xmlns:a="http://schemas.openxmlformats.org/drawingml/2006/main" xmlns:r="http://schemas.openxmlformats.org/officeDocument/2006/relationships" xmlns:p="http://schemas.openxmlformats.org/presentationml/2006/main">
+  <p:cSld>
+    <p:spTree>
+      <p:nvGrpSpPr>
+        <p:cNvPr id="1" name=""/>
+        <p:cNvGrpSpPr/>
+        <p:nvPr/>
+      </p:nvGrpSpPr>
+      <p:grpSpPr>
+        <a:xfrm>
+          <a:off x="0" y="0"/>
+          <a:ext cx="0" cy="0"/>
+          <a:chOff x="0" y="0"/>
+          <a:chExt cx="0" cy="0"/>
+        </a:xfrm>
+      </p:grpSpPr>
+      <p:sp>
+        <p:nvSpPr>
+          <p:cNvPr id="2" name="幻灯片图像占位符 1"/>
+          <p:cNvSpPr>
+            <a:spLocks noGrp="1" noRot="1" noChangeAspect="1"/>
+          </p:cNvSpPr>
+          <p:nvPr>
+            <p:ph type="sldImg"/>
+          </p:nvPr>
+        </p:nvSpPr>
+        <p:spPr/>
+      </p:sp>
+      <p:sp>
+        <p:nvSpPr>
+          <p:cNvPr id="3" name="备注占位符 2"/>
+          <p:cNvSpPr>
+            <a:spLocks noGrp="1"/>
+          </p:cNvSpPr>
+          <p:nvPr>
+            <p:ph type="body" idx="1"/>
+          </p:nvPr>
+        </p:nvSpPr>
+        <p:spPr/>
+        <p:txBody>
+          <a:bodyPr>
+            <a:normAutofit/>
+          </a:bodyPr>
+          <a:lstStyle/>
+          <a:p>
+            <a:endParaRPr lang="zh-CN" altLang="en-US" dirty="0"/>
+          </a:p>
+        </p:txBody>
+      </p:sp>
+      <p:sp>
+        <p:nvSpPr>
+          <p:cNvPr id="4" name="灯片编号占位符 3"/>
+          <p:cNvSpPr>
+            <a:spLocks noGrp="1"/>
+          </p:cNvSpPr>
+          <p:nvPr>
+            <p:ph type="sldNum" sz="quarter" idx="10"/>
+          </p:nvPr>
+        </p:nvSpPr>
+        <p:spPr/>
+        <p:txBody>
+          <a:bodyPr/>
+          <a:lstStyle/>
+          <a:p>
+            <a:fld id="{FCDD97F7-A406-49B5-8AA4-CB593A03BA6A}" type="slidenum">
+              <a:rPr lang="zh-CN" altLang="en-US" smtClean="0"/>
+              <a:pPr/>
+              <a:t>20</a:t>
+            </a:fld>
+            <a:endParaRPr lang="zh-CN" altLang="en-US"/>
+          </a:p>
+        </p:txBody>
+      </p:sp>
+    </p:spTree>
+  </p:cSld>
+  <p:clrMapOvr>
+    <a:masterClrMapping/>
+  </p:clrMapOvr>
+</p:notes>
+</file>
+
+<file path=ppt/notesSlides/notesSlide3.xml><?xml version="1.0" encoding="utf-8"?>
+<p:notes xmlns:a="http://schemas.openxmlformats.org/drawingml/2006/main" xmlns:r="http://schemas.openxmlformats.org/officeDocument/2006/relationships" xmlns:p="http://schemas.openxmlformats.org/presentationml/2006/main">
+  <p:cSld>
+    <p:spTree>
+      <p:nvGrpSpPr>
+        <p:cNvPr id="1" name=""/>
+        <p:cNvGrpSpPr/>
+        <p:nvPr/>
+      </p:nvGrpSpPr>
+      <p:grpSpPr>
+        <a:xfrm>
+          <a:off x="0" y="0"/>
+          <a:ext cx="0" cy="0"/>
+          <a:chOff x="0" y="0"/>
+          <a:chExt cx="0" cy="0"/>
+        </a:xfrm>
+      </p:grpSpPr>
+      <p:sp>
+        <p:nvSpPr>
+          <p:cNvPr id="2" name="幻灯片图像占位符 1"/>
+          <p:cNvSpPr>
+            <a:spLocks noGrp="1" noRot="1" noChangeAspect="1"/>
+          </p:cNvSpPr>
+          <p:nvPr>
+            <p:ph type="sldImg"/>
+          </p:nvPr>
+        </p:nvSpPr>
+        <p:spPr/>
+      </p:sp>
+      <p:sp>
+        <p:nvSpPr>
+          <p:cNvPr id="3" name="备注占位符 2"/>
+          <p:cNvSpPr>
+            <a:spLocks noGrp="1"/>
+          </p:cNvSpPr>
+          <p:nvPr>
+            <p:ph type="body" idx="1"/>
+          </p:nvPr>
+        </p:nvSpPr>
+        <p:spPr/>
+        <p:txBody>
+          <a:bodyPr>
+            <a:normAutofit/>
+          </a:bodyPr>
+          <a:lstStyle/>
+          <a:p>
+            <a:endParaRPr lang="zh-CN" altLang="en-US" dirty="0"/>
+          </a:p>
+        </p:txBody>
+      </p:sp>
+      <p:sp>
+        <p:nvSpPr>
+          <p:cNvPr id="4" name="灯片编号占位符 3"/>
+          <p:cNvSpPr>
+            <a:spLocks noGrp="1"/>
+          </p:cNvSpPr>
+          <p:nvPr>
+            <p:ph type="sldNum" sz="quarter" idx="10"/>
+          </p:nvPr>
+        </p:nvSpPr>
+        <p:spPr/>
+        <p:txBody>
+          <a:bodyPr/>
+          <a:lstStyle/>
+          <a:p>
+            <a:fld id="{FCDD97F7-A406-49B5-8AA4-CB593A03BA6A}" type="slidenum">
+              <a:rPr lang="zh-CN" altLang="en-US" smtClean="0"/>
+              <a:pPr/>
+              <a:t>21</a:t>
+            </a:fld>
+            <a:endParaRPr lang="zh-CN" altLang="en-US"/>
+          </a:p>
+        </p:txBody>
+      </p:sp>
+    </p:spTree>
+  </p:cSld>
+  <p:clrMapOvr>
+    <a:masterClrMapping/>
+  </p:clrMapOvr>
+</p:notes>
+</file>
+
 <file path=ppt/slideLayouts/slideLayout1.xml><?xml version="1.0" encoding="utf-8"?>
 <p:sldLayout xmlns:a="http://schemas.openxmlformats.org/drawingml/2006/main" xmlns:r="http://schemas.openxmlformats.org/officeDocument/2006/relationships" xmlns:p="http://schemas.openxmlformats.org/presentationml/2006/main" type="title" preserve="1">
   <p:cSld name="标题幻灯片">
@@ -814,7 +980,7 @@
             <a:fld id="{530820CF-B880-4189-942D-D702A7CBA730}" type="datetimeFigureOut">
               <a:rPr lang="zh-CN" altLang="en-US" smtClean="0"/>
               <a:pPr/>
-              <a:t>2019/6/21 Friday</a:t>
+              <a:t>2019/6/22 Saturday</a:t>
             </a:fld>
             <a:endParaRPr lang="zh-CN" altLang="en-US"/>
           </a:p>
@@ -981,7 +1147,7 @@
             <a:fld id="{530820CF-B880-4189-942D-D702A7CBA730}" type="datetimeFigureOut">
               <a:rPr lang="zh-CN" altLang="en-US" smtClean="0"/>
               <a:pPr/>
-              <a:t>2019/6/21 Friday</a:t>
+              <a:t>2019/6/22 Saturday</a:t>
             </a:fld>
             <a:endParaRPr lang="zh-CN" altLang="en-US"/>
           </a:p>
@@ -1222,7 +1388,7 @@
             <a:fld id="{530820CF-B880-4189-942D-D702A7CBA730}" type="datetimeFigureOut">
               <a:rPr lang="zh-CN" altLang="en-US" smtClean="0"/>
               <a:pPr/>
-              <a:t>2019/6/21 Friday</a:t>
+              <a:t>2019/6/22 Saturday</a:t>
             </a:fld>
             <a:endParaRPr lang="zh-CN" altLang="en-US"/>
           </a:p>
@@ -1458,7 +1624,7 @@
             <a:fld id="{530820CF-B880-4189-942D-D702A7CBA730}" type="datetimeFigureOut">
               <a:rPr lang="zh-CN" altLang="en-US" smtClean="0"/>
               <a:pPr/>
-              <a:t>2019/6/21 Friday</a:t>
+              <a:t>2019/6/22 Saturday</a:t>
             </a:fld>
             <a:endParaRPr lang="zh-CN" altLang="en-US"/>
           </a:p>
@@ -1799,7 +1965,7 @@
             <a:fld id="{530820CF-B880-4189-942D-D702A7CBA730}" type="datetimeFigureOut">
               <a:rPr lang="zh-CN" altLang="en-US" smtClean="0"/>
               <a:pPr/>
-              <a:t>2019/6/21 Friday</a:t>
+              <a:t>2019/6/22 Saturday</a:t>
             </a:fld>
             <a:endParaRPr lang="zh-CN" altLang="en-US"/>
           </a:p>
@@ -2148,7 +2314,7 @@
             <a:fld id="{530820CF-B880-4189-942D-D702A7CBA730}" type="datetimeFigureOut">
               <a:rPr lang="zh-CN" altLang="en-US" smtClean="0"/>
               <a:pPr/>
-              <a:t>2019/6/21 Friday</a:t>
+              <a:t>2019/6/22 Saturday</a:t>
             </a:fld>
             <a:endParaRPr lang="zh-CN" altLang="en-US"/>
           </a:p>
@@ -2711,7 +2877,7 @@
             <a:fld id="{530820CF-B880-4189-942D-D702A7CBA730}" type="datetimeFigureOut">
               <a:rPr lang="zh-CN" altLang="en-US" smtClean="0"/>
               <a:pPr/>
-              <a:t>2019/6/21 Friday</a:t>
+              <a:t>2019/6/22 Saturday</a:t>
             </a:fld>
             <a:endParaRPr lang="zh-CN" altLang="en-US"/>
           </a:p>
@@ -2890,7 +3056,7 @@
             <a:fld id="{530820CF-B880-4189-942D-D702A7CBA730}" type="datetimeFigureOut">
               <a:rPr lang="zh-CN" altLang="en-US" smtClean="0"/>
               <a:pPr/>
-              <a:t>2019/6/21 Friday</a:t>
+              <a:t>2019/6/22 Saturday</a:t>
             </a:fld>
             <a:endParaRPr lang="zh-CN" altLang="en-US"/>
           </a:p>
@@ -2987,7 +3153,7 @@
             <a:fld id="{530820CF-B880-4189-942D-D702A7CBA730}" type="datetimeFigureOut">
               <a:rPr lang="zh-CN" altLang="en-US" smtClean="0"/>
               <a:pPr/>
-              <a:t>2019/6/21 Friday</a:t>
+              <a:t>2019/6/22 Saturday</a:t>
             </a:fld>
             <a:endParaRPr lang="zh-CN" altLang="en-US"/>
           </a:p>
@@ -3354,7 +3520,7 @@
             <a:fld id="{530820CF-B880-4189-942D-D702A7CBA730}" type="datetimeFigureOut">
               <a:rPr lang="zh-CN" altLang="en-US" smtClean="0"/>
               <a:pPr/>
-              <a:t>2019/6/21 Friday</a:t>
+              <a:t>2019/6/22 Saturday</a:t>
             </a:fld>
             <a:endParaRPr lang="zh-CN" altLang="en-US"/>
           </a:p>
@@ -3700,7 +3866,7 @@
             <a:fld id="{530820CF-B880-4189-942D-D702A7CBA730}" type="datetimeFigureOut">
               <a:rPr lang="zh-CN" altLang="en-US" smtClean="0"/>
               <a:pPr/>
-              <a:t>2019/6/21 Friday</a:t>
+              <a:t>2019/6/22 Saturday</a:t>
             </a:fld>
             <a:endParaRPr lang="zh-CN" altLang="en-US"/>
           </a:p>
@@ -3973,7 +4139,7 @@
             <a:fld id="{530820CF-B880-4189-942D-D702A7CBA730}" type="datetimeFigureOut">
               <a:rPr lang="zh-CN" altLang="en-US" smtClean="0"/>
               <a:pPr/>
-              <a:t>2019/6/21 Friday</a:t>
+              <a:t>2019/6/22 Saturday</a:t>
             </a:fld>
             <a:endParaRPr lang="zh-CN" altLang="en-US"/>
           </a:p>
@@ -4494,7 +4660,7 @@
         </p:nvSpPr>
         <p:spPr>
           <a:xfrm>
-            <a:off x="1259632" y="1412776"/>
+            <a:off x="1142976" y="1643050"/>
             <a:ext cx="6648256" cy="2159100"/>
           </a:xfrm>
           <a:noFill/>
@@ -5313,38 +5479,8 @@
                 </a:solidFill>
                 <a:latin typeface="宋体" pitchFamily="2" charset="-122"/>
               </a:rPr>
-              <a:t>一、</a:t>
-            </a:r>
-            <a:r>
-              <a:rPr lang="zh-CN" altLang="en-US" dirty="0" smtClean="0">
-                <a:solidFill>
-                  <a:schemeClr val="bg1">
-                    <a:lumMod val="75000"/>
-                  </a:schemeClr>
-                </a:solidFill>
-                <a:latin typeface="宋体" pitchFamily="2" charset="-122"/>
-              </a:rPr>
-              <a:t>项目</a:t>
-            </a:r>
-            <a:r>
-              <a:rPr lang="zh-CN" altLang="en-US" dirty="0" smtClean="0">
-                <a:solidFill>
-                  <a:schemeClr val="bg1">
-                    <a:lumMod val="75000"/>
-                  </a:schemeClr>
-                </a:solidFill>
-                <a:latin typeface="宋体" pitchFamily="2" charset="-122"/>
-              </a:rPr>
-              <a:t>成员介绍</a:t>
-            </a:r>
-            <a:endParaRPr lang="zh-CN" altLang="en-US" dirty="0" smtClean="0">
-              <a:solidFill>
-                <a:schemeClr val="bg1">
-                  <a:lumMod val="75000"/>
-                </a:schemeClr>
-              </a:solidFill>
-              <a:latin typeface="宋体" pitchFamily="2" charset="-122"/>
-            </a:endParaRPr>
+              <a:t>一、项目成员介绍</a:t>
+            </a:r>
           </a:p>
           <a:p>
             <a:pPr>
@@ -5409,27 +5545,8 @@
                 </a:solidFill>
                 <a:latin typeface="宋体" pitchFamily="2" charset="-122"/>
               </a:rPr>
-              <a:t>三</a:t>
-            </a:r>
-            <a:r>
-              <a:rPr lang="zh-CN" altLang="en-US" dirty="0" smtClean="0">
-                <a:solidFill>
-                  <a:schemeClr val="bg1">
-                    <a:lumMod val="75000"/>
-                  </a:schemeClr>
-                </a:solidFill>
-                <a:latin typeface="宋体" pitchFamily="2" charset="-122"/>
-              </a:rPr>
-              <a:t>、效果展示</a:t>
-            </a:r>
-            <a:endParaRPr lang="zh-CN" altLang="en-US" dirty="0" smtClean="0">
-              <a:solidFill>
-                <a:schemeClr val="bg1">
-                  <a:lumMod val="75000"/>
-                </a:schemeClr>
-              </a:solidFill>
-              <a:latin typeface="宋体" pitchFamily="2" charset="-122"/>
-            </a:endParaRPr>
+              <a:t>三、效果展示</a:t>
+            </a:r>
           </a:p>
           <a:p>
             <a:pPr>
@@ -5452,13 +5569,7 @@
               <a:rPr lang="zh-CN" altLang="en-US" dirty="0" smtClean="0">
                 <a:latin typeface="宋体" pitchFamily="2" charset="-122"/>
               </a:rPr>
-              <a:t>四、系统重点</a:t>
-            </a:r>
-            <a:r>
-              <a:rPr lang="zh-CN" altLang="en-US" dirty="0" smtClean="0">
-                <a:latin typeface="宋体" pitchFamily="2" charset="-122"/>
-              </a:rPr>
-              <a:t>难点分析</a:t>
+              <a:t>四、系统重点难点分析</a:t>
             </a:r>
             <a:endParaRPr lang="en-US" altLang="zh-CN" dirty="0" smtClean="0">
               <a:latin typeface="宋体" pitchFamily="2" charset="-122"/>
@@ -5600,11 +5711,7 @@
           <a:p>
             <a:r>
               <a:rPr lang="zh-CN" altLang="en-US" b="1" dirty="0" smtClean="0"/>
-              <a:t>以下内容介绍是以“出票状态功能模块”</a:t>
-            </a:r>
-            <a:r>
-              <a:rPr lang="zh-CN" altLang="en-US" b="1" dirty="0" smtClean="0"/>
-              <a:t>为例</a:t>
+              <a:t>以下内容介绍是以“出票状态功能模块”为例</a:t>
             </a:r>
             <a:endParaRPr lang="en-US" altLang="zh-CN" b="1" dirty="0" smtClean="0"/>
           </a:p>
@@ -5934,26 +6041,14 @@
             </a:r>
             <a:r>
               <a:rPr lang="zh-CN" altLang="zh-CN" sz="2400" dirty="0" smtClean="0"/>
-              <a:t>功能</a:t>
-            </a:r>
-            <a:r>
-              <a:rPr lang="zh-CN" altLang="zh-CN" sz="2400" dirty="0" smtClean="0"/>
-              <a:t>原理</a:t>
-            </a:r>
-            <a:r>
-              <a:rPr lang="zh-CN" altLang="zh-CN" sz="2400" dirty="0" smtClean="0"/>
-              <a:t>：</a:t>
+              <a:t>功能原理：</a:t>
             </a:r>
             <a:endParaRPr lang="en-US" altLang="zh-CN" sz="2400" dirty="0" smtClean="0"/>
           </a:p>
           <a:p>
             <a:r>
               <a:rPr lang="en-US" altLang="zh-CN" dirty="0" smtClean="0"/>
-              <a:t>1</a:t>
-            </a:r>
-            <a:r>
-              <a:rPr lang="en-US" altLang="zh-CN" dirty="0" smtClean="0"/>
-              <a:t>.</a:t>
+              <a:t>1.</a:t>
             </a:r>
             <a:r>
               <a:rPr lang="zh-CN" altLang="zh-CN" dirty="0" smtClean="0">
@@ -5975,11 +6070,7 @@
           <a:p>
             <a:r>
               <a:rPr lang="en-US" altLang="zh-CN" dirty="0" smtClean="0"/>
-              <a:t>2</a:t>
-            </a:r>
-            <a:r>
-              <a:rPr lang="en-US" altLang="zh-CN" dirty="0" smtClean="0"/>
-              <a:t>.</a:t>
+              <a:t>2.</a:t>
             </a:r>
             <a:r>
               <a:rPr lang="zh-CN" altLang="zh-CN" dirty="0" smtClean="0"/>
@@ -5997,11 +6088,7 @@
           <a:p>
             <a:r>
               <a:rPr lang="zh-CN" altLang="zh-CN" dirty="0" smtClean="0"/>
-              <a:t>话</a:t>
-            </a:r>
-            <a:r>
-              <a:rPr lang="zh-CN" altLang="zh-CN" dirty="0" smtClean="0"/>
-              <a:t>框，点击确认，弹窗却不消失，因为父组件没有接到弹窗子组件的事件，</a:t>
+              <a:t>话框，点击确认，弹窗却不消失，因为父组件没有接到弹窗子组件的事件，</a:t>
             </a:r>
           </a:p>
           <a:p>
@@ -6015,15 +6102,7 @@
                   <a:srgbClr val="FF0000"/>
                 </a:solidFill>
               </a:rPr>
-              <a:t>—</a:t>
-            </a:r>
-            <a:r>
-              <a:rPr lang="zh-CN" altLang="zh-CN" dirty="0" smtClean="0">
-                <a:solidFill>
-                  <a:srgbClr val="FF0000"/>
-                </a:solidFill>
-              </a:rPr>
-              <a:t>解决：通过</a:t>
+              <a:t>—解决：通过</a:t>
             </a:r>
             <a:r>
               <a:rPr lang="en-US" altLang="zh-CN" dirty="0" smtClean="0">
@@ -6045,11 +6124,7 @@
           <a:p>
             <a:r>
               <a:rPr lang="en-US" altLang="zh-CN" dirty="0" smtClean="0"/>
-              <a:t>3</a:t>
-            </a:r>
-            <a:r>
-              <a:rPr lang="en-US" altLang="zh-CN" dirty="0" smtClean="0"/>
-              <a:t>.</a:t>
+              <a:t>3.</a:t>
             </a:r>
             <a:r>
               <a:rPr lang="zh-CN" altLang="zh-CN" dirty="0" smtClean="0">
@@ -6075,19 +6150,7 @@
           <a:p>
             <a:r>
               <a:rPr lang="zh-CN" altLang="zh-CN" dirty="0" smtClean="0"/>
-              <a:t>随机</a:t>
-            </a:r>
-            <a:r>
-              <a:rPr lang="zh-CN" altLang="zh-CN" dirty="0" smtClean="0"/>
-              <a:t>生成的功能，其背景图上的字体，背景色，</a:t>
-            </a:r>
-            <a:r>
-              <a:rPr lang="zh-CN" altLang="zh-CN" dirty="0" smtClean="0"/>
-              <a:t>干扰点</a:t>
-            </a:r>
-            <a:r>
-              <a:rPr lang="zh-CN" altLang="zh-CN" dirty="0" smtClean="0"/>
-              <a:t>以及容器的宽高都有随机生成的功能。</a:t>
+              <a:t>随机生成的功能，其背景图上的字体，背景色，干扰点以及容器的宽高都有随机生成的功能。</a:t>
             </a:r>
           </a:p>
           <a:p>
@@ -6488,11 +6551,7 @@
             </a:r>
             <a:r>
               <a:rPr lang="en-US" altLang="zh-CN" b="1" dirty="0" smtClean="0"/>
-              <a:t>. </a:t>
-            </a:r>
-            <a:r>
-              <a:rPr lang="en-US" altLang="zh-CN" b="1" dirty="0" smtClean="0"/>
-              <a:t>order05.vue   </a:t>
+              <a:t>. order05.vue   </a:t>
             </a:r>
             <a:r>
               <a:rPr lang="zh-CN" altLang="zh-CN" b="1" dirty="0" smtClean="0"/>
@@ -6846,38 +6905,8 @@
                 </a:solidFill>
                 <a:latin typeface="宋体" pitchFamily="2" charset="-122"/>
               </a:rPr>
-              <a:t>一、</a:t>
-            </a:r>
-            <a:r>
-              <a:rPr lang="zh-CN" altLang="en-US" dirty="0" smtClean="0">
-                <a:solidFill>
-                  <a:schemeClr val="bg1">
-                    <a:lumMod val="75000"/>
-                  </a:schemeClr>
-                </a:solidFill>
-                <a:latin typeface="宋体" pitchFamily="2" charset="-122"/>
-              </a:rPr>
-              <a:t>项目</a:t>
-            </a:r>
-            <a:r>
-              <a:rPr lang="zh-CN" altLang="en-US" dirty="0" smtClean="0">
-                <a:solidFill>
-                  <a:schemeClr val="bg1">
-                    <a:lumMod val="75000"/>
-                  </a:schemeClr>
-                </a:solidFill>
-                <a:latin typeface="宋体" pitchFamily="2" charset="-122"/>
-              </a:rPr>
-              <a:t>成员介绍</a:t>
-            </a:r>
-            <a:endParaRPr lang="zh-CN" altLang="en-US" dirty="0" smtClean="0">
-              <a:solidFill>
-                <a:schemeClr val="bg1">
-                  <a:lumMod val="75000"/>
-                </a:schemeClr>
-              </a:solidFill>
-              <a:latin typeface="宋体" pitchFamily="2" charset="-122"/>
-            </a:endParaRPr>
+              <a:t>一、项目成员介绍</a:t>
+            </a:r>
           </a:p>
           <a:p>
             <a:pPr>
@@ -6942,27 +6971,8 @@
                 </a:solidFill>
                 <a:latin typeface="宋体" pitchFamily="2" charset="-122"/>
               </a:rPr>
-              <a:t>三</a:t>
-            </a:r>
-            <a:r>
-              <a:rPr lang="zh-CN" altLang="en-US" dirty="0" smtClean="0">
-                <a:solidFill>
-                  <a:schemeClr val="bg1">
-                    <a:lumMod val="75000"/>
-                  </a:schemeClr>
-                </a:solidFill>
-                <a:latin typeface="宋体" pitchFamily="2" charset="-122"/>
-              </a:rPr>
-              <a:t>、效果展示</a:t>
-            </a:r>
-            <a:endParaRPr lang="zh-CN" altLang="en-US" dirty="0" smtClean="0">
-              <a:solidFill>
-                <a:schemeClr val="bg1">
-                  <a:lumMod val="75000"/>
-                </a:schemeClr>
-              </a:solidFill>
-              <a:latin typeface="宋体" pitchFamily="2" charset="-122"/>
-            </a:endParaRPr>
+              <a:t>三、效果展示</a:t>
+            </a:r>
           </a:p>
           <a:p>
             <a:pPr>
@@ -6992,18 +7002,7 @@
                 </a:solidFill>
                 <a:latin typeface="宋体" pitchFamily="2" charset="-122"/>
               </a:rPr>
-              <a:t>四</a:t>
-            </a:r>
-            <a:r>
-              <a:rPr lang="zh-CN" altLang="en-US" dirty="0" smtClean="0">
-                <a:solidFill>
-                  <a:schemeClr val="bg1">
-                    <a:lumMod val="65000"/>
-                  </a:schemeClr>
-                </a:solidFill>
-                <a:latin typeface="宋体" pitchFamily="2" charset="-122"/>
-              </a:rPr>
-              <a:t>、系统重点难点分析</a:t>
+              <a:t>四、系统重点难点分析</a:t>
             </a:r>
             <a:endParaRPr lang="en-US" altLang="zh-CN" dirty="0" smtClean="0">
               <a:solidFill>
@@ -7404,18 +7403,7 @@
                 </a:solidFill>
                 <a:latin typeface="宋体" pitchFamily="2" charset="-122"/>
               </a:rPr>
-              <a:t>二</a:t>
-            </a:r>
-            <a:r>
-              <a:rPr lang="zh-CN" altLang="en-US" dirty="0" smtClean="0">
-                <a:solidFill>
-                  <a:schemeClr val="bg1">
-                    <a:lumMod val="75000"/>
-                  </a:schemeClr>
-                </a:solidFill>
-                <a:latin typeface="宋体" pitchFamily="2" charset="-122"/>
-              </a:rPr>
-              <a:t>、系统功能概述</a:t>
+              <a:t>二、系统功能概述</a:t>
             </a:r>
             <a:endParaRPr lang="en-US" altLang="zh-CN" dirty="0" smtClean="0">
               <a:solidFill>
@@ -7452,27 +7440,8 @@
                 </a:solidFill>
                 <a:latin typeface="宋体" pitchFamily="2" charset="-122"/>
               </a:rPr>
-              <a:t>三、</a:t>
-            </a:r>
-            <a:r>
-              <a:rPr lang="zh-CN" altLang="en-US" dirty="0" smtClean="0">
-                <a:solidFill>
-                  <a:schemeClr val="bg1">
-                    <a:lumMod val="75000"/>
-                  </a:schemeClr>
-                </a:solidFill>
-                <a:latin typeface="宋体" pitchFamily="2" charset="-122"/>
-              </a:rPr>
-              <a:t>系统效果展示 </a:t>
-            </a:r>
-            <a:endParaRPr lang="zh-CN" altLang="en-US" dirty="0" smtClean="0">
-              <a:solidFill>
-                <a:schemeClr val="bg1">
-                  <a:lumMod val="75000"/>
-                </a:schemeClr>
-              </a:solidFill>
-              <a:latin typeface="宋体" pitchFamily="2" charset="-122"/>
-            </a:endParaRPr>
+              <a:t>三、系统效果展示 </a:t>
+            </a:r>
           </a:p>
           <a:p>
             <a:pPr>
@@ -7502,18 +7471,7 @@
                 </a:solidFill>
                 <a:latin typeface="宋体" pitchFamily="2" charset="-122"/>
               </a:rPr>
-              <a:t>四、</a:t>
-            </a:r>
-            <a:r>
-              <a:rPr lang="zh-CN" altLang="en-US" dirty="0" smtClean="0">
-                <a:solidFill>
-                  <a:schemeClr val="bg1">
-                    <a:lumMod val="65000"/>
-                  </a:schemeClr>
-                </a:solidFill>
-                <a:latin typeface="宋体" pitchFamily="2" charset="-122"/>
-              </a:rPr>
-              <a:t>系统重点难点分析</a:t>
+              <a:t>四、系统重点难点分析</a:t>
             </a:r>
             <a:endParaRPr lang="en-US" altLang="zh-CN" dirty="0" smtClean="0">
               <a:solidFill>
@@ -7552,18 +7510,7 @@
                 </a:solidFill>
                 <a:latin typeface="宋体" pitchFamily="2" charset="-122"/>
               </a:rPr>
-              <a:t>五</a:t>
-            </a:r>
-            <a:r>
-              <a:rPr lang="zh-CN" altLang="en-US" dirty="0" smtClean="0">
-                <a:solidFill>
-                  <a:schemeClr val="bg1">
-                    <a:lumMod val="65000"/>
-                  </a:schemeClr>
-                </a:solidFill>
-                <a:latin typeface="宋体" pitchFamily="2" charset="-122"/>
-              </a:rPr>
-              <a:t>、系统升级计划</a:t>
+              <a:t>五、系统升级计划</a:t>
             </a:r>
             <a:endParaRPr lang="en-US" altLang="zh-CN" dirty="0" smtClean="0">
               <a:solidFill>
@@ -7648,7 +7595,7 @@
         <p:spPr>
           <a:xfrm>
             <a:off x="714348" y="1571612"/>
-            <a:ext cx="7929618" cy="3139321"/>
+            <a:ext cx="7929618" cy="2031325"/>
           </a:xfrm>
           <a:prstGeom prst="rect">
             <a:avLst/>
@@ -7672,22 +7619,32 @@
           <a:lstStyle/>
           <a:p>
             <a:r>
-              <a:rPr lang="en-US" altLang="zh-CN" dirty="0" smtClean="0"/>
-              <a:t>order01</a:t>
+              <a:rPr lang="zh-CN" altLang="en-US" dirty="0" smtClean="0"/>
+              <a:t>► </a:t>
             </a:r>
             <a:r>
               <a:rPr lang="zh-CN" altLang="zh-CN" dirty="0" smtClean="0"/>
-              <a:t>：手机验证码功能，由于发短信功能需要付费，后期可以添加。</a:t>
-            </a:r>
-          </a:p>
-          <a:p>
-            <a:r>
-              <a:rPr lang="en-US" altLang="zh-CN" dirty="0" smtClean="0"/>
-              <a:t>         </a:t>
+              <a:t>手机</a:t>
             </a:r>
             <a:r>
               <a:rPr lang="zh-CN" altLang="zh-CN" dirty="0" smtClean="0"/>
-              <a:t>这样非会员订单查询功能就能完全实现</a:t>
+              <a:t>验证码功能，由于发短信功能</a:t>
+            </a:r>
+            <a:r>
+              <a:rPr lang="zh-CN" altLang="zh-CN" dirty="0" smtClean="0"/>
+              <a:t>需要</a:t>
+            </a:r>
+            <a:r>
+              <a:rPr lang="zh-CN" altLang="en-US" dirty="0" smtClean="0"/>
+              <a:t>服务器支持</a:t>
+            </a:r>
+            <a:r>
+              <a:rPr lang="zh-CN" altLang="zh-CN" dirty="0" smtClean="0"/>
+              <a:t>，</a:t>
+            </a:r>
+            <a:r>
+              <a:rPr lang="zh-CN" altLang="zh-CN" dirty="0" smtClean="0"/>
+              <a:t>后期可以添加</a:t>
             </a:r>
             <a:r>
               <a:rPr lang="zh-CN" altLang="zh-CN" dirty="0" smtClean="0"/>
@@ -7700,12 +7657,24 @@
           </a:p>
           <a:p>
             <a:r>
-              <a:rPr lang="en-US" altLang="zh-CN" dirty="0" smtClean="0"/>
-              <a:t>order02:</a:t>
+              <a:rPr lang="zh-CN" altLang="en-US" dirty="0" smtClean="0"/>
+              <a:t>► </a:t>
             </a:r>
             <a:r>
               <a:rPr lang="zh-CN" altLang="zh-CN" dirty="0" smtClean="0"/>
-              <a:t>来自手机的航班信息，是指在手机扫描二维码后查询的航班信息，可以同步到</a:t>
+              <a:t>来自</a:t>
+            </a:r>
+            <a:r>
+              <a:rPr lang="zh-CN" altLang="zh-CN" dirty="0" smtClean="0"/>
+              <a:t>手机的航班信息</a:t>
+            </a:r>
+            <a:r>
+              <a:rPr lang="zh-CN" altLang="zh-CN" dirty="0" smtClean="0"/>
+              <a:t>，手机</a:t>
+            </a:r>
+            <a:r>
+              <a:rPr lang="zh-CN" altLang="zh-CN" dirty="0" smtClean="0"/>
+              <a:t>扫描二维码后查询的航班信息，可以同步到</a:t>
             </a:r>
             <a:r>
               <a:rPr lang="en-US" altLang="zh-CN" dirty="0" smtClean="0"/>
@@ -7716,30 +7685,184 @@
               <a:t>端</a:t>
             </a:r>
             <a:r>
+              <a:rPr lang="zh-CN" altLang="en-US" dirty="0" smtClean="0"/>
+              <a:t>。</a:t>
+            </a:r>
+            <a:endParaRPr lang="en-US" altLang="zh-CN" dirty="0" smtClean="0"/>
+          </a:p>
+          <a:p>
+            <a:endParaRPr lang="zh-CN" altLang="zh-CN" dirty="0" smtClean="0"/>
+          </a:p>
+          <a:p>
+            <a:r>
+              <a:rPr lang="zh-CN" altLang="en-US" dirty="0" smtClean="0"/>
+              <a:t>► </a:t>
+            </a:r>
+            <a:r>
               <a:rPr lang="zh-CN" altLang="zh-CN" dirty="0" smtClean="0"/>
-              <a:t>，</a:t>
-            </a:r>
-            <a:endParaRPr lang="en-US" altLang="zh-CN" dirty="0" smtClean="0"/>
-          </a:p>
-          <a:p>
-            <a:endParaRPr lang="zh-CN" altLang="zh-CN" dirty="0" smtClean="0"/>
-          </a:p>
-          <a:p>
-            <a:r>
-              <a:rPr lang="en-US" altLang="zh-CN" dirty="0" smtClean="0"/>
-              <a:t>order03</a:t>
+              <a:t>需要</a:t>
             </a:r>
             <a:r>
               <a:rPr lang="zh-CN" altLang="zh-CN" dirty="0" smtClean="0"/>
-              <a:t>：需要显示关注的</a:t>
+              <a:t>显示关注的</a:t>
             </a:r>
             <a:r>
               <a:rPr lang="zh-CN" altLang="zh-CN" dirty="0" smtClean="0"/>
               <a:t>信息</a:t>
             </a:r>
+            <a:endParaRPr lang="zh-CN" altLang="zh-CN" dirty="0" smtClean="0"/>
+          </a:p>
+          <a:p>
             <a:endParaRPr lang="en-US" altLang="zh-CN" dirty="0" smtClean="0"/>
           </a:p>
-          <a:p>
+        </p:txBody>
+      </p:sp>
+    </p:spTree>
+  </p:cSld>
+  <p:clrMapOvr>
+    <a:masterClrMapping/>
+  </p:clrMapOvr>
+  <p:timing>
+    <p:tnLst>
+      <p:par>
+        <p:cTn id="1" dur="indefinite" restart="never" nodeType="tmRoot"/>
+      </p:par>
+    </p:tnLst>
+  </p:timing>
+</p:sld>
+</file>
+
+<file path=ppt/slides/slide21.xml><?xml version="1.0" encoding="utf-8"?>
+<p:sld xmlns:a="http://schemas.openxmlformats.org/drawingml/2006/main" xmlns:r="http://schemas.openxmlformats.org/officeDocument/2006/relationships" xmlns:p="http://schemas.openxmlformats.org/presentationml/2006/main">
+  <p:cSld>
+    <p:spTree>
+      <p:nvGrpSpPr>
+        <p:cNvPr id="1" name=""/>
+        <p:cNvGrpSpPr/>
+        <p:nvPr/>
+      </p:nvGrpSpPr>
+      <p:grpSpPr>
+        <a:xfrm>
+          <a:off x="0" y="0"/>
+          <a:ext cx="0" cy="0"/>
+          <a:chOff x="0" y="0"/>
+          <a:chExt cx="0" cy="0"/>
+        </a:xfrm>
+      </p:grpSpPr>
+      <p:sp>
+        <p:nvSpPr>
+          <p:cNvPr id="4" name="标题 1"/>
+          <p:cNvSpPr>
+            <a:spLocks noGrp="1"/>
+          </p:cNvSpPr>
+          <p:nvPr>
+            <p:ph type="title"/>
+          </p:nvPr>
+        </p:nvSpPr>
+        <p:spPr>
+          <a:xfrm>
+            <a:off x="1907704" y="274638"/>
+            <a:ext cx="6779096" cy="634082"/>
+          </a:xfrm>
+        </p:spPr>
+        <p:txBody>
+          <a:bodyPr>
+            <a:normAutofit/>
+          </a:bodyPr>
+          <a:lstStyle/>
+          <a:p>
+            <a:pPr algn="r"/>
+            <a:r>
+              <a:rPr lang="zh-CN" altLang="en-US" sz="2800" b="1" dirty="0" smtClean="0"/>
+              <a:t>心得</a:t>
+            </a:r>
+            <a:endParaRPr lang="zh-CN" altLang="en-US" sz="2800" b="1" dirty="0"/>
+          </a:p>
+        </p:txBody>
+      </p:sp>
+      <p:sp>
+        <p:nvSpPr>
+          <p:cNvPr id="6" name="TextBox 5"/>
+          <p:cNvSpPr txBox="1"/>
+          <p:nvPr/>
+        </p:nvSpPr>
+        <p:spPr>
+          <a:xfrm>
+            <a:off x="714348" y="1571613"/>
+            <a:ext cx="7929618" cy="1200329"/>
+          </a:xfrm>
+          <a:prstGeom prst="rect">
+            <a:avLst/>
+          </a:prstGeom>
+          <a:solidFill>
+            <a:schemeClr val="accent1">
+              <a:lumMod val="20000"/>
+              <a:lumOff val="80000"/>
+            </a:schemeClr>
+          </a:solidFill>
+          <a:ln>
+            <a:solidFill>
+              <a:schemeClr val="bg1"/>
+            </a:solidFill>
+          </a:ln>
+        </p:spPr>
+        <p:txBody>
+          <a:bodyPr wrap="square" rtlCol="0">
+            <a:spAutoFit/>
+          </a:bodyPr>
+          <a:lstStyle/>
+          <a:p>
+            <a:r>
+              <a:rPr lang="zh-CN" altLang="en-US" dirty="0" smtClean="0"/>
+              <a:t>  ♥    赵睿：</a:t>
+            </a:r>
+            <a:endParaRPr lang="en-US" altLang="zh-CN" dirty="0" smtClean="0"/>
+          </a:p>
+          <a:p>
+            <a:r>
+              <a:rPr lang="zh-CN" altLang="en-US" dirty="0" smtClean="0"/>
+              <a:t>        之前一直都是一个人做项目，遇见的问题也可以自己解决，这次是团队项目，虽然自己只负责一个很小的功能，但是，考虑的比自己做的要考虑的更全，需要考虑到自己的代码和团队的代码更好的融合起来。</a:t>
+            </a:r>
+            <a:endParaRPr lang="en-US" altLang="zh-CN" dirty="0" smtClean="0"/>
+          </a:p>
+        </p:txBody>
+      </p:sp>
+      <p:sp>
+        <p:nvSpPr>
+          <p:cNvPr id="7" name="TextBox 6"/>
+          <p:cNvSpPr txBox="1"/>
+          <p:nvPr/>
+        </p:nvSpPr>
+        <p:spPr>
+          <a:xfrm>
+            <a:off x="714348" y="2857496"/>
+            <a:ext cx="7929618" cy="1200329"/>
+          </a:xfrm>
+          <a:prstGeom prst="rect">
+            <a:avLst/>
+          </a:prstGeom>
+          <a:solidFill>
+            <a:schemeClr val="accent1">
+              <a:lumMod val="20000"/>
+              <a:lumOff val="80000"/>
+            </a:schemeClr>
+          </a:solidFill>
+          <a:ln>
+            <a:solidFill>
+              <a:schemeClr val="bg1"/>
+            </a:solidFill>
+          </a:ln>
+        </p:spPr>
+        <p:txBody>
+          <a:bodyPr wrap="square" rtlCol="0">
+            <a:spAutoFit/>
+          </a:bodyPr>
+          <a:lstStyle/>
+          <a:p>
+            <a:r>
+              <a:rPr lang="zh-CN" altLang="en-US" dirty="0" smtClean="0"/>
+              <a:t>  ♥    申彩霞：</a:t>
+            </a:r>
             <a:endParaRPr lang="en-US" altLang="zh-CN" dirty="0" smtClean="0"/>
           </a:p>
           <a:p>
@@ -7748,16 +7871,389 @@
               <a:t> </a:t>
             </a:r>
             <a:r>
-              <a:rPr lang="zh-CN" altLang="zh-CN" dirty="0" smtClean="0"/>
-              <a:t>需要后期完善此功能</a:t>
+              <a:rPr lang="en-US" altLang="zh-CN" dirty="0" smtClean="0"/>
+              <a:t>       </a:t>
+            </a:r>
+            <a:r>
+              <a:rPr lang="zh-CN" altLang="en-US" dirty="0" smtClean="0"/>
+              <a:t>这次项目让我收获很多，团队合作时候的紧迫感让我效率提高了不少，很多时候我都想停下来看会儿电视剧，看到组员每天晚上很晚才回去，每天都在大声讨论，激励了我，谢谢 </a:t>
+            </a:r>
+            <a:r>
+              <a:rPr lang="en-US" altLang="zh-CN" dirty="0" smtClean="0"/>
+              <a:t>^_^</a:t>
+            </a:r>
+            <a:r>
+              <a:rPr lang="zh-CN" altLang="en-US" dirty="0" smtClean="0"/>
+              <a:t>。        </a:t>
             </a:r>
             <a:endParaRPr lang="en-US" altLang="zh-CN" dirty="0" smtClean="0"/>
           </a:p>
-          <a:p>
-            <a:endParaRPr lang="zh-CN" altLang="zh-CN" dirty="0" smtClean="0"/>
-          </a:p>
-          <a:p>
+        </p:txBody>
+      </p:sp>
+      <p:sp>
+        <p:nvSpPr>
+          <p:cNvPr id="8" name="TextBox 7"/>
+          <p:cNvSpPr txBox="1"/>
+          <p:nvPr/>
+        </p:nvSpPr>
+        <p:spPr>
+          <a:xfrm>
+            <a:off x="714348" y="4214818"/>
+            <a:ext cx="7929618" cy="1200329"/>
+          </a:xfrm>
+          <a:prstGeom prst="rect">
+            <a:avLst/>
+          </a:prstGeom>
+          <a:solidFill>
+            <a:schemeClr val="accent1">
+              <a:lumMod val="20000"/>
+              <a:lumOff val="80000"/>
+            </a:schemeClr>
+          </a:solidFill>
+          <a:ln>
+            <a:solidFill>
+              <a:schemeClr val="bg1"/>
+            </a:solidFill>
+          </a:ln>
+        </p:spPr>
+        <p:txBody>
+          <a:bodyPr wrap="square" rtlCol="0">
+            <a:spAutoFit/>
+          </a:bodyPr>
+          <a:lstStyle/>
+          <a:p>
+            <a:r>
+              <a:rPr lang="zh-CN" altLang="en-US" dirty="0" smtClean="0"/>
+              <a:t>  ♥    孟林：</a:t>
+            </a:r>
             <a:endParaRPr lang="en-US" altLang="zh-CN" dirty="0" smtClean="0"/>
+          </a:p>
+          <a:p>
+            <a:r>
+              <a:rPr lang="en-US" altLang="zh-CN" dirty="0" smtClean="0"/>
+              <a:t> </a:t>
+            </a:r>
+            <a:r>
+              <a:rPr lang="en-US" altLang="zh-CN" dirty="0" smtClean="0"/>
+              <a:t>       </a:t>
+            </a:r>
+            <a:r>
+              <a:rPr lang="zh-CN" altLang="en-US" dirty="0" smtClean="0"/>
+              <a:t>第一次跟团队一起做项目，收获还是很多的，通过这近三周的学习，发现自己在功能实现方面的能力有很大的欠缺，不能很好地将学过的理论知识应用于实际开发中的问题解决，在后续工作学习中仍需改进。</a:t>
+            </a:r>
+            <a:endParaRPr lang="en-US" altLang="zh-CN" dirty="0" smtClean="0"/>
+          </a:p>
+        </p:txBody>
+      </p:sp>
+      <p:sp>
+        <p:nvSpPr>
+          <p:cNvPr id="9" name="TextBox 8"/>
+          <p:cNvSpPr txBox="1"/>
+          <p:nvPr/>
+        </p:nvSpPr>
+        <p:spPr>
+          <a:xfrm>
+            <a:off x="714348" y="5500702"/>
+            <a:ext cx="7929618" cy="923330"/>
+          </a:xfrm>
+          <a:prstGeom prst="rect">
+            <a:avLst/>
+          </a:prstGeom>
+          <a:solidFill>
+            <a:schemeClr val="accent1">
+              <a:lumMod val="20000"/>
+              <a:lumOff val="80000"/>
+            </a:schemeClr>
+          </a:solidFill>
+          <a:ln>
+            <a:solidFill>
+              <a:schemeClr val="bg1"/>
+            </a:solidFill>
+          </a:ln>
+        </p:spPr>
+        <p:txBody>
+          <a:bodyPr wrap="square" rtlCol="0">
+            <a:spAutoFit/>
+          </a:bodyPr>
+          <a:lstStyle/>
+          <a:p>
+            <a:r>
+              <a:rPr lang="zh-CN" altLang="en-US" dirty="0" smtClean="0"/>
+              <a:t>  ♥    </a:t>
+            </a:r>
+            <a:r>
+              <a:rPr lang="zh-CN" altLang="en-US" b="1" dirty="0" smtClean="0"/>
+              <a:t>周弦</a:t>
+            </a:r>
+            <a:r>
+              <a:rPr lang="zh-CN" altLang="en-US" dirty="0" smtClean="0"/>
+              <a:t>：</a:t>
+            </a:r>
+            <a:endParaRPr lang="en-US" altLang="zh-CN" dirty="0" smtClean="0"/>
+          </a:p>
+          <a:p>
+            <a:r>
+              <a:rPr lang="en-US" altLang="zh-CN" dirty="0" smtClean="0"/>
+              <a:t> </a:t>
+            </a:r>
+            <a:r>
+              <a:rPr lang="en-US" altLang="zh-CN" dirty="0" smtClean="0"/>
+              <a:t>       </a:t>
+            </a:r>
+            <a:r>
+              <a:rPr lang="zh-CN" altLang="en-US" dirty="0" smtClean="0"/>
+              <a:t>我们这个团队技术能力参差不齐，没有一个人在做项目时抱怨，而是发挥自己的优势互帮互助，相互鼓励，积极思考。最后项目完成的很好。赞！</a:t>
+            </a:r>
+            <a:endParaRPr lang="en-US" altLang="zh-CN" dirty="0" smtClean="0"/>
+          </a:p>
+        </p:txBody>
+      </p:sp>
+    </p:spTree>
+  </p:cSld>
+  <p:clrMapOvr>
+    <a:masterClrMapping/>
+  </p:clrMapOvr>
+  <p:timing>
+    <p:tnLst>
+      <p:par>
+        <p:cTn id="1" dur="indefinite" restart="never" nodeType="tmRoot"/>
+      </p:par>
+    </p:tnLst>
+  </p:timing>
+</p:sld>
+</file>
+
+<file path=ppt/slides/slide22.xml><?xml version="1.0" encoding="utf-8"?>
+<p:sld xmlns:a="http://schemas.openxmlformats.org/drawingml/2006/main" xmlns:r="http://schemas.openxmlformats.org/officeDocument/2006/relationships" xmlns:p="http://schemas.openxmlformats.org/presentationml/2006/main">
+  <p:cSld>
+    <p:spTree>
+      <p:nvGrpSpPr>
+        <p:cNvPr id="1" name=""/>
+        <p:cNvGrpSpPr/>
+        <p:nvPr/>
+      </p:nvGrpSpPr>
+      <p:grpSpPr>
+        <a:xfrm>
+          <a:off x="0" y="0"/>
+          <a:ext cx="0" cy="0"/>
+          <a:chOff x="0" y="0"/>
+          <a:chExt cx="0" cy="0"/>
+        </a:xfrm>
+      </p:grpSpPr>
+      <p:pic>
+        <p:nvPicPr>
+          <p:cNvPr id="6" name="图片 5" descr="358bcaa4f85cccaa198d492a12afc9f8.jpeg"/>
+          <p:cNvPicPr>
+            <a:picLocks noChangeAspect="1"/>
+          </p:cNvPicPr>
+          <p:nvPr/>
+        </p:nvPicPr>
+        <p:blipFill>
+          <a:blip r:embed="rId2" cstate="print"/>
+          <a:stretch>
+            <a:fillRect/>
+          </a:stretch>
+        </p:blipFill>
+        <p:spPr>
+          <a:xfrm>
+            <a:off x="0" y="357166"/>
+            <a:ext cx="9144000" cy="5715000"/>
+          </a:xfrm>
+          <a:prstGeom prst="rect">
+            <a:avLst/>
+          </a:prstGeom>
+        </p:spPr>
+      </p:pic>
+      <p:sp>
+        <p:nvSpPr>
+          <p:cNvPr id="4" name="矩形 3"/>
+          <p:cNvSpPr/>
+          <p:nvPr/>
+        </p:nvSpPr>
+        <p:spPr>
+          <a:xfrm>
+            <a:off x="3643306" y="1500174"/>
+            <a:ext cx="1576072" cy="923330"/>
+          </a:xfrm>
+          <a:prstGeom prst="rect">
+            <a:avLst/>
+          </a:prstGeom>
+          <a:solidFill>
+            <a:schemeClr val="bg1"/>
+          </a:solidFill>
+        </p:spPr>
+        <p:txBody>
+          <a:bodyPr wrap="none" lIns="91440" tIns="45720" rIns="91440" bIns="45720">
+            <a:spAutoFit/>
+          </a:bodyPr>
+          <a:lstStyle/>
+          <a:p>
+            <a:pPr algn="ctr"/>
+            <a:r>
+              <a:rPr lang="zh-CN" altLang="en-US" sz="5400" b="1" cap="none" spc="0" dirty="0" smtClean="0">
+                <a:ln w="17780" cmpd="sng">
+                  <a:solidFill>
+                    <a:schemeClr val="accent1">
+                      <a:tint val="3000"/>
+                    </a:schemeClr>
+                  </a:solidFill>
+                  <a:prstDash val="solid"/>
+                  <a:miter lim="800000"/>
+                </a:ln>
+                <a:gradFill>
+                  <a:gsLst>
+                    <a:gs pos="10000">
+                      <a:schemeClr val="accent1">
+                        <a:tint val="63000"/>
+                        <a:sat val="105000"/>
+                      </a:schemeClr>
+                    </a:gs>
+                    <a:gs pos="90000">
+                      <a:schemeClr val="accent1">
+                        <a:shade val="50000"/>
+                        <a:satMod val="100000"/>
+                      </a:schemeClr>
+                    </a:gs>
+                  </a:gsLst>
+                  <a:lin ang="5400000"/>
+                </a:gradFill>
+                <a:effectLst>
+                  <a:outerShdw blurRad="55000" dist="50800" dir="5400000" algn="tl">
+                    <a:srgbClr val="000000">
+                      <a:alpha val="33000"/>
+                    </a:srgbClr>
+                  </a:outerShdw>
+                </a:effectLst>
+              </a:rPr>
+              <a:t>谢谢</a:t>
+            </a:r>
+            <a:endParaRPr lang="zh-CN" altLang="en-US" sz="5400" b="1" cap="none" spc="0" dirty="0">
+              <a:ln w="17780" cmpd="sng">
+                <a:solidFill>
+                  <a:schemeClr val="accent1">
+                    <a:tint val="3000"/>
+                  </a:schemeClr>
+                </a:solidFill>
+                <a:prstDash val="solid"/>
+                <a:miter lim="800000"/>
+              </a:ln>
+              <a:gradFill>
+                <a:gsLst>
+                  <a:gs pos="10000">
+                    <a:schemeClr val="accent1">
+                      <a:tint val="63000"/>
+                      <a:sat val="105000"/>
+                    </a:schemeClr>
+                  </a:gs>
+                  <a:gs pos="90000">
+                    <a:schemeClr val="accent1">
+                      <a:shade val="50000"/>
+                      <a:satMod val="100000"/>
+                    </a:schemeClr>
+                  </a:gs>
+                </a:gsLst>
+                <a:lin ang="5400000"/>
+              </a:gradFill>
+              <a:effectLst>
+                <a:outerShdw blurRad="55000" dist="50800" dir="5400000" algn="tl">
+                  <a:srgbClr val="000000">
+                    <a:alpha val="33000"/>
+                  </a:srgbClr>
+                </a:outerShdw>
+              </a:effectLst>
+            </a:endParaRPr>
+          </a:p>
+        </p:txBody>
+      </p:sp>
+      <p:sp>
+        <p:nvSpPr>
+          <p:cNvPr id="5" name="TextBox 4"/>
+          <p:cNvSpPr txBox="1"/>
+          <p:nvPr/>
+        </p:nvSpPr>
+        <p:spPr>
+          <a:xfrm>
+            <a:off x="6357950" y="5572140"/>
+            <a:ext cx="2563522" cy="861774"/>
+          </a:xfrm>
+          <a:prstGeom prst="rect">
+            <a:avLst/>
+          </a:prstGeom>
+          <a:solidFill>
+            <a:schemeClr val="bg1"/>
+          </a:solidFill>
+        </p:spPr>
+        <p:txBody>
+          <a:bodyPr wrap="none" rtlCol="0">
+            <a:spAutoFit/>
+          </a:bodyPr>
+          <a:lstStyle/>
+          <a:p>
+            <a:r>
+              <a:rPr lang="en-US" altLang="zh-CN" b="1" u="sng" dirty="0" smtClean="0"/>
+              <a:t>Debug</a:t>
+            </a:r>
+            <a:r>
+              <a:rPr lang="zh-CN" altLang="en-US" b="1" u="sng" dirty="0" smtClean="0"/>
+              <a:t>联盟</a:t>
+            </a:r>
+            <a:endParaRPr lang="en-US" altLang="zh-CN" b="1" u="sng" dirty="0" smtClean="0"/>
+          </a:p>
+          <a:p>
+            <a:endParaRPr lang="en-US" altLang="zh-CN" dirty="0" smtClean="0"/>
+          </a:p>
+          <a:p>
+            <a:r>
+              <a:rPr lang="zh-CN" altLang="en-US" sz="1400" b="1" dirty="0" smtClean="0"/>
+              <a:t>周</a:t>
+            </a:r>
+            <a:r>
+              <a:rPr lang="zh-CN" altLang="en-US" sz="1400" b="1" dirty="0" smtClean="0"/>
+              <a:t>弦</a:t>
+            </a:r>
+            <a:r>
+              <a:rPr lang="zh-CN" altLang="en-US" sz="1400" dirty="0" smtClean="0"/>
+              <a:t> 申彩霞 孟林 马佳威 赵睿 </a:t>
+            </a:r>
+            <a:endParaRPr lang="zh-CN" altLang="en-US" sz="1400" dirty="0"/>
+          </a:p>
+        </p:txBody>
+      </p:sp>
+      <p:sp>
+        <p:nvSpPr>
+          <p:cNvPr id="8" name="TextBox 7"/>
+          <p:cNvSpPr txBox="1"/>
+          <p:nvPr/>
+        </p:nvSpPr>
+        <p:spPr>
+          <a:xfrm>
+            <a:off x="0" y="6215082"/>
+            <a:ext cx="3536417" cy="369332"/>
+          </a:xfrm>
+          <a:prstGeom prst="rect">
+            <a:avLst/>
+          </a:prstGeom>
+          <a:noFill/>
+        </p:spPr>
+        <p:txBody>
+          <a:bodyPr wrap="none" rtlCol="0">
+            <a:spAutoFit/>
+          </a:bodyPr>
+          <a:lstStyle/>
+          <a:p>
+            <a:r>
+              <a:rPr lang="en-US" altLang="zh-CN" u="sng" dirty="0" smtClean="0">
+                <a:solidFill>
+                  <a:srgbClr val="002060"/>
+                </a:solidFill>
+              </a:rPr>
+              <a:t>https://github.com/wiserui/txw.git</a:t>
+            </a:r>
+            <a:endParaRPr lang="zh-CN" altLang="en-US" u="sng" dirty="0">
+              <a:solidFill>
+                <a:srgbClr val="002060"/>
+              </a:solidFill>
+            </a:endParaRPr>
           </a:p>
         </p:txBody>
       </p:sp>
@@ -7888,11 +8384,7 @@
             </a:pPr>
             <a:r>
               <a:rPr lang="zh-CN" altLang="en-US" dirty="0" smtClean="0"/>
-              <a:t>组长</a:t>
-            </a:r>
-            <a:r>
-              <a:rPr lang="zh-CN" altLang="en-US" dirty="0" smtClean="0"/>
-              <a:t>：周弦</a:t>
+              <a:t>组长：周弦</a:t>
             </a:r>
             <a:endParaRPr lang="en-US" altLang="zh-CN" dirty="0" smtClean="0"/>
           </a:p>
@@ -7925,19 +8417,11 @@
             </a:pPr>
             <a:r>
               <a:rPr lang="zh-CN" altLang="en-US" dirty="0" smtClean="0"/>
-              <a:t>成员</a:t>
-            </a:r>
-            <a:r>
-              <a:rPr lang="zh-CN" altLang="en-US" dirty="0" smtClean="0"/>
-              <a:t>：</a:t>
+              <a:t>成员：</a:t>
             </a:r>
             <a:r>
               <a:rPr lang="zh-CN" altLang="zh-CN" dirty="0" smtClean="0"/>
-              <a:t>赵睿、申彩霞、</a:t>
-            </a:r>
-            <a:r>
-              <a:rPr lang="zh-CN" altLang="zh-CN" dirty="0" smtClean="0"/>
-              <a:t>孟</a:t>
+              <a:t>赵睿、申彩霞、孟</a:t>
             </a:r>
             <a:r>
               <a:rPr lang="zh-CN" altLang="en-US" dirty="0" smtClean="0"/>
@@ -7945,48 +8429,7 @@
             </a:r>
             <a:r>
               <a:rPr lang="zh-CN" altLang="zh-CN" dirty="0" smtClean="0"/>
-              <a:t>、</a:t>
-            </a:r>
-            <a:r>
-              <a:rPr lang="zh-CN" altLang="zh-CN" dirty="0" smtClean="0"/>
-              <a:t>马佳威</a:t>
-            </a:r>
-            <a:endParaRPr lang="en-US" altLang="zh-CN" dirty="0" smtClean="0"/>
-          </a:p>
-        </p:txBody>
-      </p:sp>
-      <p:sp>
-        <p:nvSpPr>
-          <p:cNvPr id="7" name="矩形 6"/>
-          <p:cNvSpPr/>
-          <p:nvPr/>
-        </p:nvSpPr>
-        <p:spPr>
-          <a:xfrm>
-            <a:off x="571472" y="3429000"/>
-            <a:ext cx="1521570" cy="369332"/>
-          </a:xfrm>
-          <a:prstGeom prst="rect">
-            <a:avLst/>
-          </a:prstGeom>
-        </p:spPr>
-        <p:txBody>
-          <a:bodyPr wrap="none">
-            <a:spAutoFit/>
-          </a:bodyPr>
-          <a:lstStyle/>
-          <a:p>
-            <a:pPr>
-              <a:buFont typeface="Wingdings" pitchFamily="2" charset="2"/>
-              <a:buChar char="Ø"/>
-            </a:pPr>
-            <a:r>
-              <a:rPr lang="zh-CN" altLang="en-US" dirty="0" smtClean="0"/>
-              <a:t>项目</a:t>
-            </a:r>
-            <a:r>
-              <a:rPr lang="zh-CN" altLang="en-US" dirty="0" smtClean="0"/>
-              <a:t>分工：</a:t>
+              <a:t>、马佳威</a:t>
             </a:r>
             <a:endParaRPr lang="en-US" altLang="zh-CN" dirty="0" smtClean="0"/>
           </a:p>
@@ -8289,38 +8732,8 @@
                 </a:solidFill>
                 <a:latin typeface="宋体" pitchFamily="2" charset="-122"/>
               </a:rPr>
-              <a:t>一、</a:t>
-            </a:r>
-            <a:r>
-              <a:rPr lang="zh-CN" altLang="en-US" dirty="0" smtClean="0">
-                <a:solidFill>
-                  <a:schemeClr val="bg1">
-                    <a:lumMod val="75000"/>
-                  </a:schemeClr>
-                </a:solidFill>
-                <a:latin typeface="宋体" pitchFamily="2" charset="-122"/>
-              </a:rPr>
-              <a:t>项目</a:t>
-            </a:r>
-            <a:r>
-              <a:rPr lang="zh-CN" altLang="en-US" dirty="0" smtClean="0">
-                <a:solidFill>
-                  <a:schemeClr val="bg1">
-                    <a:lumMod val="75000"/>
-                  </a:schemeClr>
-                </a:solidFill>
-                <a:latin typeface="宋体" pitchFamily="2" charset="-122"/>
-              </a:rPr>
-              <a:t>成员介绍</a:t>
-            </a:r>
-            <a:endParaRPr lang="zh-CN" altLang="en-US" dirty="0" smtClean="0">
-              <a:solidFill>
-                <a:schemeClr val="bg1">
-                  <a:lumMod val="75000"/>
-                </a:schemeClr>
-              </a:solidFill>
-              <a:latin typeface="宋体" pitchFamily="2" charset="-122"/>
-            </a:endParaRPr>
+              <a:t>一、项目成员介绍</a:t>
+            </a:r>
           </a:p>
           <a:p>
             <a:pPr>
@@ -8382,27 +8795,8 @@
                 </a:solidFill>
                 <a:latin typeface="宋体" pitchFamily="2" charset="-122"/>
               </a:rPr>
-              <a:t>三、</a:t>
-            </a:r>
-            <a:r>
-              <a:rPr lang="zh-CN" altLang="en-US" dirty="0" smtClean="0">
-                <a:solidFill>
-                  <a:schemeClr val="bg1">
-                    <a:lumMod val="75000"/>
-                  </a:schemeClr>
-                </a:solidFill>
-                <a:latin typeface="宋体" pitchFamily="2" charset="-122"/>
-              </a:rPr>
-              <a:t>系统效果展示 </a:t>
-            </a:r>
-            <a:endParaRPr lang="zh-CN" altLang="en-US" dirty="0" smtClean="0">
-              <a:solidFill>
-                <a:schemeClr val="bg1">
-                  <a:lumMod val="75000"/>
-                </a:schemeClr>
-              </a:solidFill>
-              <a:latin typeface="宋体" pitchFamily="2" charset="-122"/>
-            </a:endParaRPr>
+              <a:t>三、系统效果展示 </a:t>
+            </a:r>
           </a:p>
           <a:p>
             <a:pPr>
@@ -8432,18 +8826,7 @@
                 </a:solidFill>
                 <a:latin typeface="宋体" pitchFamily="2" charset="-122"/>
               </a:rPr>
-              <a:t>四、</a:t>
-            </a:r>
-            <a:r>
-              <a:rPr lang="zh-CN" altLang="en-US" dirty="0" smtClean="0">
-                <a:solidFill>
-                  <a:schemeClr val="bg1">
-                    <a:lumMod val="65000"/>
-                  </a:schemeClr>
-                </a:solidFill>
-                <a:latin typeface="宋体" pitchFamily="2" charset="-122"/>
-              </a:rPr>
-              <a:t>系统重点难点分析</a:t>
+              <a:t>四、系统重点难点分析</a:t>
             </a:r>
             <a:endParaRPr lang="en-US" altLang="zh-CN" dirty="0" smtClean="0">
               <a:solidFill>
@@ -8482,18 +8865,7 @@
                 </a:solidFill>
                 <a:latin typeface="宋体" pitchFamily="2" charset="-122"/>
               </a:rPr>
-              <a:t>五</a:t>
-            </a:r>
-            <a:r>
-              <a:rPr lang="zh-CN" altLang="en-US" dirty="0" smtClean="0">
-                <a:solidFill>
-                  <a:schemeClr val="bg1">
-                    <a:lumMod val="65000"/>
-                  </a:schemeClr>
-                </a:solidFill>
-                <a:latin typeface="宋体" pitchFamily="2" charset="-122"/>
-              </a:rPr>
-              <a:t>、系统升级计划</a:t>
+              <a:t>五、系统升级计划</a:t>
             </a:r>
             <a:endParaRPr lang="en-US" altLang="zh-CN" dirty="0" smtClean="0">
               <a:solidFill>
@@ -8613,7 +8985,27 @@
             </a:r>
             <a:r>
               <a:rPr lang="zh-CN" altLang="en-US" dirty="0" smtClean="0"/>
-              <a:t>该系统是旅游订票系统，功能包含注册、登录、首页、及后端等模块</a:t>
+              <a:t>该系统是旅游订票系统</a:t>
+            </a:r>
+            <a:r>
+              <a:rPr lang="zh-CN" altLang="en-US" dirty="0" smtClean="0"/>
+              <a:t>，使用的是</a:t>
+            </a:r>
+            <a:r>
+              <a:rPr lang="en-US" altLang="zh-CN" dirty="0" err="1" smtClean="0"/>
+              <a:t>vue</a:t>
+            </a:r>
+            <a:r>
+              <a:rPr lang="zh-CN" altLang="en-US" dirty="0" smtClean="0"/>
+              <a:t>框架组件开发实现</a:t>
+            </a:r>
+            <a:r>
+              <a:rPr lang="zh-CN" altLang="en-US" dirty="0" smtClean="0"/>
+              <a:t>，功能</a:t>
+            </a:r>
+            <a:r>
+              <a:rPr lang="zh-CN" altLang="en-US" dirty="0" smtClean="0"/>
+              <a:t>包含注册、登录、首页、及后端等模块</a:t>
             </a:r>
             <a:r>
               <a:rPr lang="en-US" altLang="zh-CN" dirty="0" smtClean="0"/>
@@ -8679,11 +9071,7 @@
             </a:pPr>
             <a:r>
               <a:rPr lang="zh-CN" altLang="en-US" b="1" dirty="0" smtClean="0"/>
-              <a:t>后</a:t>
-            </a:r>
-            <a:r>
-              <a:rPr lang="zh-CN" altLang="en-US" b="1" dirty="0" smtClean="0"/>
-              <a:t>端系统</a:t>
+              <a:t>后端系统</a:t>
             </a:r>
             <a:r>
               <a:rPr lang="zh-CN" altLang="en-US" dirty="0" smtClean="0"/>
@@ -8798,11 +9186,7 @@
             </a:r>
             <a:r>
               <a:rPr lang="zh-CN" altLang="en-US" dirty="0" smtClean="0"/>
-              <a:t>、</a:t>
-            </a:r>
-            <a:r>
-              <a:rPr lang="zh-CN" altLang="en-US" dirty="0" smtClean="0"/>
-              <a:t>系统流程图</a:t>
+              <a:t>、系统流程图</a:t>
             </a:r>
             <a:endParaRPr lang="zh-CN" altLang="en-US" dirty="0"/>
           </a:p>
@@ -9138,38 +9522,8 @@
                 </a:solidFill>
                 <a:latin typeface="宋体" pitchFamily="2" charset="-122"/>
               </a:rPr>
-              <a:t>一、</a:t>
-            </a:r>
-            <a:r>
-              <a:rPr lang="zh-CN" altLang="en-US" dirty="0" smtClean="0">
-                <a:solidFill>
-                  <a:schemeClr val="bg1">
-                    <a:lumMod val="75000"/>
-                  </a:schemeClr>
-                </a:solidFill>
-                <a:latin typeface="宋体" pitchFamily="2" charset="-122"/>
-              </a:rPr>
-              <a:t>项目</a:t>
-            </a:r>
-            <a:r>
-              <a:rPr lang="zh-CN" altLang="en-US" dirty="0" smtClean="0">
-                <a:solidFill>
-                  <a:schemeClr val="bg1">
-                    <a:lumMod val="75000"/>
-                  </a:schemeClr>
-                </a:solidFill>
-                <a:latin typeface="宋体" pitchFamily="2" charset="-122"/>
-              </a:rPr>
-              <a:t>成员介绍</a:t>
-            </a:r>
-            <a:endParaRPr lang="zh-CN" altLang="en-US" dirty="0" smtClean="0">
-              <a:solidFill>
-                <a:schemeClr val="bg1">
-                  <a:lumMod val="75000"/>
-                </a:schemeClr>
-              </a:solidFill>
-              <a:latin typeface="宋体" pitchFamily="2" charset="-122"/>
-            </a:endParaRPr>
+              <a:t>一、项目成员介绍</a:t>
+            </a:r>
           </a:p>
           <a:p>
             <a:pPr>
@@ -9268,18 +9622,7 @@
                 </a:solidFill>
                 <a:latin typeface="宋体" pitchFamily="2" charset="-122"/>
               </a:rPr>
-              <a:t>四、</a:t>
-            </a:r>
-            <a:r>
-              <a:rPr lang="zh-CN" altLang="en-US" dirty="0" smtClean="0">
-                <a:solidFill>
-                  <a:schemeClr val="bg1">
-                    <a:lumMod val="65000"/>
-                  </a:schemeClr>
-                </a:solidFill>
-                <a:latin typeface="宋体" pitchFamily="2" charset="-122"/>
-              </a:rPr>
-              <a:t>系统重点难点分析</a:t>
+              <a:t>四、系统重点难点分析</a:t>
             </a:r>
             <a:endParaRPr lang="en-US" altLang="zh-CN" dirty="0" smtClean="0">
               <a:solidFill>
@@ -9318,18 +9661,7 @@
                 </a:solidFill>
                 <a:latin typeface="宋体" pitchFamily="2" charset="-122"/>
               </a:rPr>
-              <a:t>五</a:t>
-            </a:r>
-            <a:r>
-              <a:rPr lang="zh-CN" altLang="en-US" dirty="0" smtClean="0">
-                <a:solidFill>
-                  <a:schemeClr val="bg1">
-                    <a:lumMod val="65000"/>
-                  </a:schemeClr>
-                </a:solidFill>
-                <a:latin typeface="宋体" pitchFamily="2" charset="-122"/>
-              </a:rPr>
-              <a:t>、系统升级计划</a:t>
+              <a:t>五、系统升级计划</a:t>
             </a:r>
             <a:endParaRPr lang="en-US" altLang="zh-CN" dirty="0" smtClean="0">
               <a:solidFill>
